--- a/examples/output/notebook_example_default.pptx
+++ b/examples/output/notebook_example_default.pptx
@@ -4801,7 +4801,7 @@
       </p:sp>
       <p:pic>
         <p:nvPicPr>
-          <p:cNvPr id="4" name="Picture 3" descr="slide_41289bc7_create_growth_trend.png"/>
+          <p:cNvPr id="4" name="Picture 3" descr="slide_27b543ea_create_growth_trend.png"/>
           <p:cNvPicPr>
             <a:picLocks noChangeAspect="1"/>
           </p:cNvPicPr>
@@ -5222,7 +5222,7 @@
       </p:sp>
       <p:pic>
         <p:nvPicPr>
-          <p:cNvPr id="4" name="Picture 3" descr="slide_8742a85f_create_sales_chart.png"/>
+          <p:cNvPr id="4" name="Picture 3" descr="slide_89f29345_create_sales_chart.png"/>
           <p:cNvPicPr>
             <a:picLocks noChangeAspect="1"/>
           </p:cNvPicPr>
@@ -8016,7 +8016,7 @@
       </p:sp>
       <p:pic>
         <p:nvPicPr>
-          <p:cNvPr id="4" name="Picture 3" descr="slide_8742a85f_create_sales_chart.png"/>
+          <p:cNvPr id="4" name="Picture 3" descr="slide_89f29345_create_sales_chart.png"/>
           <p:cNvPicPr>
             <a:picLocks noChangeAspect="1"/>
           </p:cNvPicPr>
@@ -8357,7 +8357,7 @@
       </p:sp>
       <p:pic>
         <p:nvPicPr>
-          <p:cNvPr id="4" name="Picture 3" descr="slide_fb67b5a0_create_market_share.png"/>
+          <p:cNvPr id="4" name="Picture 3" descr="slide_efe173e6_create_market_share.png"/>
           <p:cNvPicPr>
             <a:picLocks noChangeAspect="1"/>
           </p:cNvPicPr>
